--- a/img/pairing2.pptx
+++ b/img/pairing2.pptx
@@ -151,7 +151,7 @@
       </p14:sectionLst>
     </p:ext>
     <p:ext uri="{EFAFB233-063F-42B5-8137-9DF3F51BA10A}">
-      <p15:sldGuideLst xmlns:p15="http://schemas.microsoft.com/office/powerpoint/2012/main" xmlns="">
+      <p15:sldGuideLst xmlns="" xmlns:p15="http://schemas.microsoft.com/office/powerpoint/2012/main">
         <p15:guide id="1" orient="horz" pos="2160">
           <p15:clr>
             <a:srgbClr val="A4A3A4"/>
@@ -165,7 +165,7 @@
       </p15:sldGuideLst>
     </p:ext>
     <p:ext uri="{2D200454-40CA-4A62-9FC3-DE9A4176ACB9}">
-      <p15:notesGuideLst xmlns:p15="http://schemas.microsoft.com/office/powerpoint/2012/main" xmlns="">
+      <p15:notesGuideLst xmlns="" xmlns:p15="http://schemas.microsoft.com/office/powerpoint/2012/main">
         <p15:guide id="1" orient="horz" pos="3223">
           <p15:clr>
             <a:srgbClr val="A4A3A4"/>
@@ -1966,9 +1966,10 @@
             </a:avLst>
           </a:prstGeom>
           <a:solidFill>
-            <a:srgbClr val="AAEFD1">
+            <a:schemeClr val="bg1">
+              <a:lumMod val="85000"/>
               <a:alpha val="49020"/>
-            </a:srgbClr>
+            </a:schemeClr>
           </a:solidFill>
           <a:ln>
             <a:noFill/>
@@ -2150,8 +2151,8 @@
           </a:fontRef>
         </p:style>
       </p:cxnSp>
-      <mc:AlternateContent xmlns:mc="http://schemas.openxmlformats.org/markup-compatibility/2006">
-        <mc:Choice xmlns:a14="http://schemas.microsoft.com/office/drawing/2010/main" Requires="a14">
+      <mc:AlternateContent xmlns:mc="http://schemas.openxmlformats.org/markup-compatibility/2006" xmlns:a14="http://schemas.microsoft.com/office/drawing/2010/main">
+        <mc:Choice Requires="a14">
           <p:sp>
             <p:nvSpPr>
               <p:cNvPr id="42" name="テキスト ボックス 41"/>
@@ -2205,7 +2206,7 @@
             </p:txBody>
           </p:sp>
         </mc:Choice>
-        <mc:Fallback>
+        <mc:Fallback xmlns="">
           <p:sp>
             <p:nvSpPr>
               <p:cNvPr id="42" name="テキスト ボックス 41"/>
@@ -2762,8 +2763,8 @@
           </a:fontRef>
         </p:style>
       </p:cxnSp>
-      <mc:AlternateContent xmlns:mc="http://schemas.openxmlformats.org/markup-compatibility/2006">
-        <mc:Choice xmlns:a14="http://schemas.microsoft.com/office/drawing/2010/main" Requires="a14">
+      <mc:AlternateContent xmlns:mc="http://schemas.openxmlformats.org/markup-compatibility/2006" xmlns:a14="http://schemas.microsoft.com/office/drawing/2010/main">
+        <mc:Choice Requires="a14">
           <p:sp>
             <p:nvSpPr>
               <p:cNvPr id="29" name="テキスト ボックス 28"/>
@@ -2825,7 +2826,7 @@
             </p:txBody>
           </p:sp>
         </mc:Choice>
-        <mc:Fallback>
+        <mc:Fallback xmlns="">
           <p:sp>
             <p:nvSpPr>
               <p:cNvPr id="29" name="テキスト ボックス 28"/>
@@ -2904,8 +2905,8 @@
           </a:fontRef>
         </p:style>
       </p:cxnSp>
-      <mc:AlternateContent xmlns:mc="http://schemas.openxmlformats.org/markup-compatibility/2006">
-        <mc:Choice xmlns:a14="http://schemas.microsoft.com/office/drawing/2010/main" Requires="a14">
+      <mc:AlternateContent xmlns:mc="http://schemas.openxmlformats.org/markup-compatibility/2006" xmlns:a14="http://schemas.microsoft.com/office/drawing/2010/main">
+        <mc:Choice Requires="a14">
           <p:sp>
             <p:nvSpPr>
               <p:cNvPr id="31" name="テキスト ボックス 30"/>
@@ -2983,7 +2984,7 @@
             </p:txBody>
           </p:sp>
         </mc:Choice>
-        <mc:Fallback>
+        <mc:Fallback xmlns="">
           <p:sp>
             <p:nvSpPr>
               <p:cNvPr id="31" name="テキスト ボックス 30"/>
@@ -3026,8 +3027,8 @@
           </p:sp>
         </mc:Fallback>
       </mc:AlternateContent>
-      <mc:AlternateContent xmlns:mc="http://schemas.openxmlformats.org/markup-compatibility/2006">
-        <mc:Choice xmlns:a14="http://schemas.microsoft.com/office/drawing/2010/main" Requires="a14">
+      <mc:AlternateContent xmlns:mc="http://schemas.openxmlformats.org/markup-compatibility/2006" xmlns:a14="http://schemas.microsoft.com/office/drawing/2010/main">
+        <mc:Choice Requires="a14">
           <p:sp>
             <p:nvSpPr>
               <p:cNvPr id="45" name="テキスト ボックス 44"/>
@@ -3097,7 +3098,7 @@
             </p:txBody>
           </p:sp>
         </mc:Choice>
-        <mc:Fallback>
+        <mc:Fallback xmlns="">
           <p:sp>
             <p:nvSpPr>
               <p:cNvPr id="45" name="テキスト ボックス 44"/>

--- a/img/pairing2.pptx
+++ b/img/pairing2.pptx
@@ -151,7 +151,7 @@
       </p14:sectionLst>
     </p:ext>
     <p:ext uri="{EFAFB233-063F-42B5-8137-9DF3F51BA10A}">
-      <p15:sldGuideLst xmlns="" xmlns:p15="http://schemas.microsoft.com/office/powerpoint/2012/main">
+      <p15:sldGuideLst xmlns:p15="http://schemas.microsoft.com/office/powerpoint/2012/main" xmlns="">
         <p15:guide id="1" orient="horz" pos="2160">
           <p15:clr>
             <a:srgbClr val="A4A3A4"/>
@@ -165,7 +165,7 @@
       </p15:sldGuideLst>
     </p:ext>
     <p:ext uri="{2D200454-40CA-4A62-9FC3-DE9A4176ACB9}">
-      <p15:notesGuideLst xmlns="" xmlns:p15="http://schemas.microsoft.com/office/powerpoint/2012/main">
+      <p15:notesGuideLst xmlns:p15="http://schemas.microsoft.com/office/powerpoint/2012/main" xmlns="">
         <p15:guide id="1" orient="horz" pos="3223">
           <p15:clr>
             <a:srgbClr val="A4A3A4"/>
@@ -2347,348 +2347,6 @@
           </p:sp>
         </mc:Fallback>
       </mc:AlternateContent>
-      <mc:AlternateContent xmlns:mc="http://schemas.openxmlformats.org/markup-compatibility/2006" xmlns:a14="http://schemas.microsoft.com/office/drawing/2010/main">
-        <mc:Choice Requires="a14">
-          <p:sp>
-            <p:nvSpPr>
-              <p:cNvPr id="51" name="テキスト ボックス 50"/>
-              <p:cNvSpPr txBox="1"/>
-              <p:nvPr/>
-            </p:nvSpPr>
-            <p:spPr>
-              <a:xfrm>
-                <a:off x="1261657" y="2957598"/>
-                <a:ext cx="268278" cy="276999"/>
-              </a:xfrm>
-              <a:prstGeom prst="rect">
-                <a:avLst/>
-              </a:prstGeom>
-              <a:noFill/>
-              <a:ln w="19050" cap="rnd">
-                <a:noFill/>
-                <a:prstDash val="sysDash"/>
-              </a:ln>
-            </p:spPr>
-            <p:txBody>
-              <a:bodyPr wrap="square" rtlCol="0">
-                <a:spAutoFit/>
-              </a:bodyPr>
-              <a:lstStyle/>
-              <a:p>
-                <a:pPr/>
-                <a14:m>
-                  <m:oMathPara xmlns:m="http://schemas.openxmlformats.org/officeDocument/2006/math">
-                    <m:oMathParaPr>
-                      <m:jc m:val="centerGroup"/>
-                    </m:oMathParaPr>
-                    <m:oMath xmlns:m="http://schemas.openxmlformats.org/officeDocument/2006/math">
-                      <m:acc>
-                        <m:accPr>
-                          <m:chr m:val="⃗"/>
-                          <m:ctrlPr>
-                            <a:rPr lang="ja-JP" altLang="en-US" sz="1200" i="1">
-                              <a:latin typeface="Cambria Math"/>
-                              <a:ea typeface="ＭＳ ゴシック" pitchFamily="49" charset="-128"/>
-                              <a:cs typeface="Courier New" pitchFamily="49" charset="0"/>
-                            </a:rPr>
-                          </m:ctrlPr>
-                        </m:accPr>
-                        <m:e>
-                          <m:sSub>
-                            <m:sSubPr>
-                              <m:ctrlPr>
-                                <a:rPr lang="en-US" altLang="ja-JP" sz="1200" i="1">
-                                  <a:latin typeface="Cambria Math"/>
-                                  <a:ea typeface="ＭＳ ゴシック" pitchFamily="49" charset="-128"/>
-                                  <a:cs typeface="Courier New" pitchFamily="49" charset="0"/>
-                                </a:rPr>
-                              </m:ctrlPr>
-                            </m:sSubPr>
-                            <m:e>
-                              <m:r>
-                                <a:rPr lang="en-US" altLang="ja-JP" sz="1200" i="1">
-                                  <a:latin typeface="Cambria Math"/>
-                                  <a:ea typeface="ＭＳ ゴシック" pitchFamily="49" charset="-128"/>
-                                  <a:cs typeface="Courier New" pitchFamily="49" charset="0"/>
-                                </a:rPr>
-                                <m:t>𝑒</m:t>
-                              </m:r>
-                            </m:e>
-                            <m:sub>
-                              <m:r>
-                                <a:rPr lang="en-US" altLang="ja-JP" sz="1200" i="1">
-                                  <a:latin typeface="Cambria Math"/>
-                                  <a:ea typeface="ＭＳ ゴシック" pitchFamily="49" charset="-128"/>
-                                  <a:cs typeface="Courier New" pitchFamily="49" charset="0"/>
-                                </a:rPr>
-                                <m:t>1</m:t>
-                              </m:r>
-                            </m:sub>
-                          </m:sSub>
-                        </m:e>
-                      </m:acc>
-                    </m:oMath>
-                  </m:oMathPara>
-                </a14:m>
-                <a:endParaRPr lang="ja-JP" altLang="en-US" sz="1200">
-                  <a:latin typeface="+mj-lt"/>
-                  <a:ea typeface="ＭＳ ゴシック" pitchFamily="49" charset="-128"/>
-                  <a:cs typeface="Courier New" pitchFamily="49" charset="0"/>
-                </a:endParaRPr>
-              </a:p>
-            </p:txBody>
-          </p:sp>
-        </mc:Choice>
-        <mc:Fallback xmlns="">
-          <p:sp>
-            <p:nvSpPr>
-              <p:cNvPr id="51" name="テキスト ボックス 50"/>
-              <p:cNvSpPr txBox="1">
-                <a:spLocks noRot="1" noChangeAspect="1" noMove="1" noResize="1" noEditPoints="1" noAdjustHandles="1" noChangeArrowheads="1" noChangeShapeType="1" noTextEdit="1"/>
-              </p:cNvSpPr>
-              <p:nvPr/>
-            </p:nvSpPr>
-            <p:spPr>
-              <a:xfrm>
-                <a:off x="1261657" y="2957598"/>
-                <a:ext cx="268278" cy="276999"/>
-              </a:xfrm>
-              <a:prstGeom prst="rect">
-                <a:avLst/>
-              </a:prstGeom>
-              <a:blipFill rotWithShape="1">
-                <a:blip r:embed="rId4"/>
-                <a:stretch>
-                  <a:fillRect/>
-                </a:stretch>
-              </a:blipFill>
-              <a:ln w="19050" cap="rnd">
-                <a:noFill/>
-                <a:prstDash val="sysDash"/>
-              </a:ln>
-            </p:spPr>
-            <p:txBody>
-              <a:bodyPr/>
-              <a:lstStyle/>
-              <a:p>
-                <a:r>
-                  <a:rPr lang="ja-JP" altLang="en-US">
-                    <a:noFill/>
-                  </a:rPr>
-                  <a:t> </a:t>
-                </a:r>
-              </a:p>
-            </p:txBody>
-          </p:sp>
-        </mc:Fallback>
-      </mc:AlternateContent>
-      <mc:AlternateContent xmlns:mc="http://schemas.openxmlformats.org/markup-compatibility/2006" xmlns:a14="http://schemas.microsoft.com/office/drawing/2010/main">
-        <mc:Choice Requires="a14">
-          <p:sp>
-            <p:nvSpPr>
-              <p:cNvPr id="52" name="テキスト ボックス 51"/>
-              <p:cNvSpPr txBox="1"/>
-              <p:nvPr/>
-            </p:nvSpPr>
-            <p:spPr>
-              <a:xfrm>
-                <a:off x="933623" y="2729848"/>
-                <a:ext cx="271858" cy="276999"/>
-              </a:xfrm>
-              <a:prstGeom prst="rect">
-                <a:avLst/>
-              </a:prstGeom>
-              <a:noFill/>
-              <a:ln w="19050" cap="rnd">
-                <a:noFill/>
-                <a:prstDash val="sysDash"/>
-              </a:ln>
-            </p:spPr>
-            <p:txBody>
-              <a:bodyPr wrap="square" rtlCol="0">
-                <a:spAutoFit/>
-              </a:bodyPr>
-              <a:lstStyle/>
-              <a:p>
-                <a:pPr/>
-                <a14:m>
-                  <m:oMathPara xmlns:m="http://schemas.openxmlformats.org/officeDocument/2006/math">
-                    <m:oMathParaPr>
-                      <m:jc m:val="centerGroup"/>
-                    </m:oMathParaPr>
-                    <m:oMath xmlns:m="http://schemas.openxmlformats.org/officeDocument/2006/math">
-                      <m:acc>
-                        <m:accPr>
-                          <m:chr m:val="⃗"/>
-                          <m:ctrlPr>
-                            <a:rPr lang="ja-JP" altLang="en-US" sz="1200" i="1">
-                              <a:latin typeface="Cambria Math"/>
-                              <a:ea typeface="ＭＳ ゴシック" pitchFamily="49" charset="-128"/>
-                              <a:cs typeface="Courier New" pitchFamily="49" charset="0"/>
-                            </a:rPr>
-                          </m:ctrlPr>
-                        </m:accPr>
-                        <m:e>
-                          <m:sSub>
-                            <m:sSubPr>
-                              <m:ctrlPr>
-                                <a:rPr lang="en-US" altLang="ja-JP" sz="1200" i="1">
-                                  <a:latin typeface="Cambria Math"/>
-                                  <a:ea typeface="ＭＳ ゴシック" pitchFamily="49" charset="-128"/>
-                                  <a:cs typeface="Courier New" pitchFamily="49" charset="0"/>
-                                </a:rPr>
-                              </m:ctrlPr>
-                            </m:sSubPr>
-                            <m:e>
-                              <m:r>
-                                <a:rPr lang="en-US" altLang="ja-JP" sz="1200" i="1">
-                                  <a:latin typeface="Cambria Math"/>
-                                  <a:ea typeface="ＭＳ ゴシック" pitchFamily="49" charset="-128"/>
-                                  <a:cs typeface="Courier New" pitchFamily="49" charset="0"/>
-                                </a:rPr>
-                                <m:t>𝑒</m:t>
-                              </m:r>
-                            </m:e>
-                            <m:sub>
-                              <m:r>
-                                <a:rPr lang="en-US" altLang="ja-JP" sz="1200" i="1">
-                                  <a:latin typeface="Cambria Math"/>
-                                  <a:ea typeface="ＭＳ ゴシック" pitchFamily="49" charset="-128"/>
-                                  <a:cs typeface="Courier New" pitchFamily="49" charset="0"/>
-                                </a:rPr>
-                                <m:t>2</m:t>
-                              </m:r>
-                            </m:sub>
-                          </m:sSub>
-                        </m:e>
-                      </m:acc>
-                    </m:oMath>
-                  </m:oMathPara>
-                </a14:m>
-                <a:endParaRPr lang="ja-JP" altLang="en-US" sz="1200">
-                  <a:latin typeface="+mj-lt"/>
-                  <a:ea typeface="ＭＳ ゴシック" pitchFamily="49" charset="-128"/>
-                  <a:cs typeface="Courier New" pitchFamily="49" charset="0"/>
-                </a:endParaRPr>
-              </a:p>
-            </p:txBody>
-          </p:sp>
-        </mc:Choice>
-        <mc:Fallback xmlns="">
-          <p:sp>
-            <p:nvSpPr>
-              <p:cNvPr id="52" name="テキスト ボックス 51"/>
-              <p:cNvSpPr txBox="1">
-                <a:spLocks noRot="1" noChangeAspect="1" noMove="1" noResize="1" noEditPoints="1" noAdjustHandles="1" noChangeArrowheads="1" noChangeShapeType="1" noTextEdit="1"/>
-              </p:cNvSpPr>
-              <p:nvPr/>
-            </p:nvSpPr>
-            <p:spPr>
-              <a:xfrm>
-                <a:off x="933623" y="2729848"/>
-                <a:ext cx="271858" cy="276999"/>
-              </a:xfrm>
-              <a:prstGeom prst="rect">
-                <a:avLst/>
-              </a:prstGeom>
-              <a:blipFill rotWithShape="1">
-                <a:blip r:embed="rId5"/>
-                <a:stretch>
-                  <a:fillRect/>
-                </a:stretch>
-              </a:blipFill>
-              <a:ln w="19050" cap="rnd">
-                <a:noFill/>
-                <a:prstDash val="sysDash"/>
-              </a:ln>
-            </p:spPr>
-            <p:txBody>
-              <a:bodyPr/>
-              <a:lstStyle/>
-              <a:p>
-                <a:r>
-                  <a:rPr lang="ja-JP" altLang="en-US">
-                    <a:noFill/>
-                  </a:rPr>
-                  <a:t> </a:t>
-                </a:r>
-              </a:p>
-            </p:txBody>
-          </p:sp>
-        </mc:Fallback>
-      </mc:AlternateContent>
-      <p:cxnSp>
-        <p:nvCxnSpPr>
-          <p:cNvPr id="53" name="直線矢印コネクタ 52"/>
-          <p:cNvCxnSpPr/>
-          <p:nvPr/>
-        </p:nvCxnSpPr>
-        <p:spPr>
-          <a:xfrm>
-            <a:off x="1261434" y="3020542"/>
-            <a:ext cx="216024" cy="0"/>
-          </a:xfrm>
-          <a:prstGeom prst="straightConnector1">
-            <a:avLst/>
-          </a:prstGeom>
-          <a:ln w="12700">
-            <a:solidFill>
-              <a:schemeClr val="tx1"/>
-            </a:solidFill>
-            <a:tailEnd type="arrow"/>
-          </a:ln>
-        </p:spPr>
-        <p:style>
-          <a:lnRef idx="1">
-            <a:schemeClr val="accent1"/>
-          </a:lnRef>
-          <a:fillRef idx="0">
-            <a:schemeClr val="accent1"/>
-          </a:fillRef>
-          <a:effectRef idx="0">
-            <a:schemeClr val="accent1"/>
-          </a:effectRef>
-          <a:fontRef idx="minor">
-            <a:schemeClr val="tx1"/>
-          </a:fontRef>
-        </p:style>
-      </p:cxnSp>
-      <p:cxnSp>
-        <p:nvCxnSpPr>
-          <p:cNvPr id="56" name="直線矢印コネクタ 55"/>
-          <p:cNvCxnSpPr/>
-          <p:nvPr/>
-        </p:nvCxnSpPr>
-        <p:spPr>
-          <a:xfrm flipV="1">
-            <a:off x="1261434" y="2823102"/>
-            <a:ext cx="0" cy="197440"/>
-          </a:xfrm>
-          <a:prstGeom prst="straightConnector1">
-            <a:avLst/>
-          </a:prstGeom>
-          <a:ln w="12700">
-            <a:solidFill>
-              <a:schemeClr val="tx1"/>
-            </a:solidFill>
-            <a:tailEnd type="arrow"/>
-          </a:ln>
-        </p:spPr>
-        <p:style>
-          <a:lnRef idx="1">
-            <a:schemeClr val="accent1"/>
-          </a:lnRef>
-          <a:fillRef idx="0">
-            <a:schemeClr val="accent1"/>
-          </a:fillRef>
-          <a:effectRef idx="0">
-            <a:schemeClr val="accent1"/>
-          </a:effectRef>
-          <a:fontRef idx="minor">
-            <a:schemeClr val="tx1"/>
-          </a:fontRef>
-        </p:style>
-      </p:cxnSp>
       <p:cxnSp>
         <p:nvCxnSpPr>
           <p:cNvPr id="44" name="直線矢印コネクタ 43"/>
